--- a/C#/개인프로젝트/포트폴리오_GYM [자동 저장].pptx
+++ b/C#/개인프로젝트/포트폴리오_GYM [자동 저장].pptx
@@ -627,7 +627,7 @@
                 </a:solidFill>
               </a:rPr>
               <a:pPr/>
-              <a:t>2021-07-26</a:t>
+              <a:t>2021-07-30</a:t>
             </a:fld>
             <a:endParaRPr lang="ko-KR" altLang="en-US" dirty="0">
               <a:solidFill>
@@ -857,7 +857,7 @@
                 </a:solidFill>
               </a:rPr>
               <a:pPr/>
-              <a:t>2021-07-26</a:t>
+              <a:t>2021-07-30</a:t>
             </a:fld>
             <a:endParaRPr lang="ko-KR" altLang="en-US" dirty="0">
               <a:solidFill>
@@ -1097,7 +1097,7 @@
                 </a:solidFill>
               </a:rPr>
               <a:pPr/>
-              <a:t>2021-07-26</a:t>
+              <a:t>2021-07-30</a:t>
             </a:fld>
             <a:endParaRPr lang="ko-KR" altLang="en-US" dirty="0">
               <a:solidFill>
@@ -1327,7 +1327,7 @@
                 </a:solidFill>
               </a:rPr>
               <a:pPr/>
-              <a:t>2021-07-26</a:t>
+              <a:t>2021-07-30</a:t>
             </a:fld>
             <a:endParaRPr lang="ko-KR" altLang="en-US" dirty="0">
               <a:solidFill>
@@ -1634,7 +1634,7 @@
                 </a:solidFill>
               </a:rPr>
               <a:pPr/>
-              <a:t>2021-07-26</a:t>
+              <a:t>2021-07-30</a:t>
             </a:fld>
             <a:endParaRPr lang="ko-KR" altLang="en-US" dirty="0">
               <a:solidFill>
@@ -1931,7 +1931,7 @@
                 </a:solidFill>
               </a:rPr>
               <a:pPr/>
-              <a:t>2021-07-26</a:t>
+              <a:t>2021-07-30</a:t>
             </a:fld>
             <a:endParaRPr lang="ko-KR" altLang="en-US" dirty="0">
               <a:solidFill>
@@ -2375,7 +2375,7 @@
                 </a:solidFill>
               </a:rPr>
               <a:pPr/>
-              <a:t>2021-07-26</a:t>
+              <a:t>2021-07-30</a:t>
             </a:fld>
             <a:endParaRPr lang="ko-KR" altLang="en-US" dirty="0">
               <a:solidFill>
@@ -2548,7 +2548,7 @@
                 </a:solidFill>
               </a:rPr>
               <a:pPr/>
-              <a:t>2021-07-26</a:t>
+              <a:t>2021-07-30</a:t>
             </a:fld>
             <a:endParaRPr lang="ko-KR" altLang="en-US" dirty="0">
               <a:solidFill>
@@ -2693,7 +2693,7 @@
                 </a:solidFill>
               </a:rPr>
               <a:pPr/>
-              <a:t>2021-07-26</a:t>
+              <a:t>2021-07-30</a:t>
             </a:fld>
             <a:endParaRPr lang="ko-KR" altLang="en-US" dirty="0">
               <a:solidFill>
@@ -3036,7 +3036,7 @@
                 </a:solidFill>
               </a:rPr>
               <a:pPr/>
-              <a:t>2021-07-26</a:t>
+              <a:t>2021-07-30</a:t>
             </a:fld>
             <a:endParaRPr lang="ko-KR" altLang="en-US" dirty="0">
               <a:solidFill>
@@ -3356,7 +3356,7 @@
                 </a:solidFill>
               </a:rPr>
               <a:pPr/>
-              <a:t>2021-07-26</a:t>
+              <a:t>2021-07-30</a:t>
             </a:fld>
             <a:endParaRPr lang="ko-KR" altLang="en-US" dirty="0">
               <a:solidFill>
@@ -3629,7 +3629,7 @@
                 </a:solidFill>
               </a:rPr>
               <a:pPr/>
-              <a:t>2021-07-26</a:t>
+              <a:t>2021-07-30</a:t>
             </a:fld>
             <a:endParaRPr lang="ko-KR" altLang="en-US" dirty="0">
               <a:solidFill>
@@ -4561,7 +4561,7 @@
         </p:nvSpPr>
         <p:spPr>
           <a:xfrm>
-            <a:off x="457200" y="705392"/>
+            <a:off x="457200" y="1005840"/>
             <a:ext cx="509452" cy="457200"/>
           </a:xfrm>
           <a:prstGeom prst="ellipse">
@@ -4616,7 +4616,7 @@
         </p:nvCxnSpPr>
         <p:spPr>
           <a:xfrm>
-            <a:off x="711926" y="1162592"/>
+            <a:off x="711926" y="1463040"/>
             <a:ext cx="0" cy="613954"/>
           </a:xfrm>
           <a:prstGeom prst="line">
@@ -4654,7 +4654,7 @@
         </p:nvCxnSpPr>
         <p:spPr>
           <a:xfrm>
-            <a:off x="383178" y="1349827"/>
+            <a:off x="383178" y="1650275"/>
             <a:ext cx="664028" cy="0"/>
           </a:xfrm>
           <a:prstGeom prst="line">
@@ -4692,7 +4692,7 @@
         </p:nvCxnSpPr>
         <p:spPr>
           <a:xfrm flipV="1">
-            <a:off x="457200" y="1763483"/>
+            <a:off x="457200" y="2063931"/>
             <a:ext cx="257993" cy="274320"/>
           </a:xfrm>
           <a:prstGeom prst="line">
@@ -4730,7 +4730,7 @@
         </p:nvCxnSpPr>
         <p:spPr>
           <a:xfrm>
-            <a:off x="714103" y="1759127"/>
+            <a:off x="714103" y="2059575"/>
             <a:ext cx="252549" cy="278676"/>
           </a:xfrm>
           <a:prstGeom prst="line">
@@ -4766,7 +4766,7 @@
         </p:nvSpPr>
         <p:spPr>
           <a:xfrm>
-            <a:off x="273344" y="2185845"/>
+            <a:off x="269467" y="2525486"/>
             <a:ext cx="877163" cy="369332"/>
           </a:xfrm>
           <a:prstGeom prst="rect">
@@ -4802,13 +4802,13 @@
         </p:nvSpPr>
         <p:spPr>
           <a:xfrm>
-            <a:off x="1606731" y="222069"/>
-            <a:ext cx="9222372" cy="6413862"/>
+            <a:off x="1606731" y="117566"/>
+            <a:ext cx="9222372" cy="6622863"/>
           </a:xfrm>
           <a:prstGeom prst="rect">
             <a:avLst/>
           </a:prstGeom>
-          <a:ln>
+          <a:ln cap="flat">
             <a:solidFill>
               <a:schemeClr val="tx1"/>
             </a:solidFill>
@@ -4851,7 +4851,7 @@
         </p:nvSpPr>
         <p:spPr>
           <a:xfrm>
-            <a:off x="2677489" y="3107525"/>
+            <a:off x="2610897" y="3997401"/>
             <a:ext cx="829883" cy="585654"/>
           </a:xfrm>
           <a:prstGeom prst="ellipse">
@@ -4973,7 +4973,7 @@
         </p:nvSpPr>
         <p:spPr>
           <a:xfrm>
-            <a:off x="457200" y="4302823"/>
+            <a:off x="457200" y="3675799"/>
             <a:ext cx="509452" cy="457200"/>
           </a:xfrm>
           <a:prstGeom prst="ellipse">
@@ -5028,7 +5028,7 @@
         </p:nvCxnSpPr>
         <p:spPr>
           <a:xfrm>
-            <a:off x="711926" y="4760023"/>
+            <a:off x="711926" y="4132999"/>
             <a:ext cx="0" cy="613954"/>
           </a:xfrm>
           <a:prstGeom prst="line">
@@ -5066,7 +5066,7 @@
         </p:nvCxnSpPr>
         <p:spPr>
           <a:xfrm>
-            <a:off x="383178" y="4947258"/>
+            <a:off x="383178" y="4320234"/>
             <a:ext cx="664028" cy="0"/>
           </a:xfrm>
           <a:prstGeom prst="line">
@@ -5104,7 +5104,7 @@
         </p:nvCxnSpPr>
         <p:spPr>
           <a:xfrm flipV="1">
-            <a:off x="457200" y="5360914"/>
+            <a:off x="457200" y="4733890"/>
             <a:ext cx="257993" cy="274320"/>
           </a:xfrm>
           <a:prstGeom prst="line">
@@ -5142,7 +5142,7 @@
         </p:nvCxnSpPr>
         <p:spPr>
           <a:xfrm>
-            <a:off x="714103" y="5356558"/>
+            <a:off x="714103" y="4729534"/>
             <a:ext cx="252549" cy="278676"/>
           </a:xfrm>
           <a:prstGeom prst="line">
@@ -5178,7 +5178,7 @@
         </p:nvSpPr>
         <p:spPr>
           <a:xfrm>
-            <a:off x="170991" y="5783276"/>
+            <a:off x="157927" y="5232843"/>
             <a:ext cx="1107996" cy="369332"/>
           </a:xfrm>
           <a:prstGeom prst="rect">
@@ -5214,7 +5214,7 @@
         </p:nvSpPr>
         <p:spPr>
           <a:xfrm>
-            <a:off x="2586335" y="4774173"/>
+            <a:off x="6309430" y="3090145"/>
             <a:ext cx="1012190" cy="585654"/>
           </a:xfrm>
           <a:prstGeom prst="ellipse">
@@ -5261,266 +5261,6 @@
           </a:p>
         </p:txBody>
       </p:sp>
-      <p:sp>
-        <p:nvSpPr>
-          <p:cNvPr id="31" name="순서도: 추출 30">
-            <a:extLst>
-              <a:ext uri="{FF2B5EF4-FFF2-40B4-BE49-F238E27FC236}">
-                <a16:creationId xmlns:a16="http://schemas.microsoft.com/office/drawing/2014/main" id="{4647903F-5A0B-41A8-8E09-DEF6976FA4D3}"/>
-              </a:ext>
-            </a:extLst>
-          </p:cNvPr>
-          <p:cNvSpPr/>
-          <p:nvPr/>
-        </p:nvSpPr>
-        <p:spPr>
-          <a:xfrm>
-            <a:off x="3002100" y="1063851"/>
-            <a:ext cx="239486" cy="197481"/>
-          </a:xfrm>
-          <a:prstGeom prst="flowChartExtract">
-            <a:avLst/>
-          </a:prstGeom>
-          <a:ln>
-            <a:solidFill>
-              <a:schemeClr val="tx1"/>
-            </a:solidFill>
-          </a:ln>
-        </p:spPr>
-        <p:style>
-          <a:lnRef idx="2">
-            <a:schemeClr val="accent6"/>
-          </a:lnRef>
-          <a:fillRef idx="1">
-            <a:schemeClr val="lt1"/>
-          </a:fillRef>
-          <a:effectRef idx="0">
-            <a:schemeClr val="accent6"/>
-          </a:effectRef>
-          <a:fontRef idx="minor">
-            <a:schemeClr val="dk1"/>
-          </a:fontRef>
-        </p:style>
-        <p:txBody>
-          <a:bodyPr rtlCol="0" anchor="ctr"/>
-          <a:lstStyle/>
-          <a:p>
-            <a:pPr algn="ctr"/>
-            <a:endParaRPr lang="ko-KR" altLang="en-US" dirty="0"/>
-          </a:p>
-        </p:txBody>
-      </p:sp>
-      <p:sp>
-        <p:nvSpPr>
-          <p:cNvPr id="42" name="순서도: 추출 41">
-            <a:extLst>
-              <a:ext uri="{FF2B5EF4-FFF2-40B4-BE49-F238E27FC236}">
-                <a16:creationId xmlns:a16="http://schemas.microsoft.com/office/drawing/2014/main" id="{89F85B95-63BE-4891-8FD2-BA9A014ADFCA}"/>
-              </a:ext>
-            </a:extLst>
-          </p:cNvPr>
-          <p:cNvSpPr/>
-          <p:nvPr/>
-        </p:nvSpPr>
-        <p:spPr>
-          <a:xfrm rot="19576910">
-            <a:off x="3499093" y="967103"/>
-            <a:ext cx="239486" cy="197481"/>
-          </a:xfrm>
-          <a:prstGeom prst="flowChartExtract">
-            <a:avLst/>
-          </a:prstGeom>
-          <a:ln/>
-        </p:spPr>
-        <p:style>
-          <a:lnRef idx="2">
-            <a:schemeClr val="dk1"/>
-          </a:lnRef>
-          <a:fillRef idx="1">
-            <a:schemeClr val="lt1"/>
-          </a:fillRef>
-          <a:effectRef idx="0">
-            <a:schemeClr val="dk1"/>
-          </a:effectRef>
-          <a:fontRef idx="minor">
-            <a:schemeClr val="dk1"/>
-          </a:fontRef>
-        </p:style>
-        <p:txBody>
-          <a:bodyPr rtlCol="0" anchor="ctr"/>
-          <a:lstStyle/>
-          <a:p>
-            <a:pPr algn="ctr"/>
-            <a:endParaRPr lang="ko-KR" altLang="en-US" dirty="0"/>
-          </a:p>
-        </p:txBody>
-      </p:sp>
-      <p:sp>
-        <p:nvSpPr>
-          <p:cNvPr id="57" name="순서도: 추출 56">
-            <a:extLst>
-              <a:ext uri="{FF2B5EF4-FFF2-40B4-BE49-F238E27FC236}">
-                <a16:creationId xmlns:a16="http://schemas.microsoft.com/office/drawing/2014/main" id="{83EF2FFD-B406-41A6-87E5-02ED14133912}"/>
-              </a:ext>
-            </a:extLst>
-          </p:cNvPr>
-          <p:cNvSpPr/>
-          <p:nvPr/>
-        </p:nvSpPr>
-        <p:spPr>
-          <a:xfrm rot="1651248">
-            <a:off x="2418173" y="1021447"/>
-            <a:ext cx="239486" cy="197481"/>
-          </a:xfrm>
-          <a:prstGeom prst="flowChartExtract">
-            <a:avLst/>
-          </a:prstGeom>
-          <a:ln>
-            <a:solidFill>
-              <a:schemeClr val="tx1"/>
-            </a:solidFill>
-          </a:ln>
-        </p:spPr>
-        <p:style>
-          <a:lnRef idx="2">
-            <a:schemeClr val="accent6"/>
-          </a:lnRef>
-          <a:fillRef idx="1">
-            <a:schemeClr val="lt1"/>
-          </a:fillRef>
-          <a:effectRef idx="0">
-            <a:schemeClr val="accent6"/>
-          </a:effectRef>
-          <a:fontRef idx="minor">
-            <a:schemeClr val="dk1"/>
-          </a:fontRef>
-        </p:style>
-        <p:txBody>
-          <a:bodyPr rtlCol="0" anchor="ctr"/>
-          <a:lstStyle/>
-          <a:p>
-            <a:pPr algn="ctr"/>
-            <a:endParaRPr lang="ko-KR" altLang="en-US" dirty="0"/>
-          </a:p>
-        </p:txBody>
-      </p:sp>
-      <p:cxnSp>
-        <p:nvCxnSpPr>
-          <p:cNvPr id="8" name="직선 연결선 7">
-            <a:extLst>
-              <a:ext uri="{FF2B5EF4-FFF2-40B4-BE49-F238E27FC236}">
-                <a16:creationId xmlns:a16="http://schemas.microsoft.com/office/drawing/2014/main" id="{E49BD94A-F70A-4A31-B52B-23C1604B0A68}"/>
-              </a:ext>
-            </a:extLst>
-          </p:cNvPr>
-          <p:cNvCxnSpPr>
-            <a:cxnSpLocks/>
-            <a:stCxn id="31" idx="2"/>
-          </p:cNvCxnSpPr>
-          <p:nvPr/>
-        </p:nvCxnSpPr>
-        <p:spPr>
-          <a:xfrm>
-            <a:off x="3121843" y="1261332"/>
-            <a:ext cx="0" cy="808612"/>
-          </a:xfrm>
-          <a:prstGeom prst="line">
-            <a:avLst/>
-          </a:prstGeom>
-        </p:spPr>
-        <p:style>
-          <a:lnRef idx="1">
-            <a:schemeClr val="dk1"/>
-          </a:lnRef>
-          <a:fillRef idx="0">
-            <a:schemeClr val="dk1"/>
-          </a:fillRef>
-          <a:effectRef idx="0">
-            <a:schemeClr val="dk1"/>
-          </a:effectRef>
-          <a:fontRef idx="minor">
-            <a:schemeClr val="tx1"/>
-          </a:fontRef>
-        </p:style>
-      </p:cxnSp>
-      <p:cxnSp>
-        <p:nvCxnSpPr>
-          <p:cNvPr id="11" name="직선 연결선 10">
-            <a:extLst>
-              <a:ext uri="{FF2B5EF4-FFF2-40B4-BE49-F238E27FC236}">
-                <a16:creationId xmlns:a16="http://schemas.microsoft.com/office/drawing/2014/main" id="{A60C3DEE-07A4-43BA-9950-37935E73EAB1}"/>
-              </a:ext>
-            </a:extLst>
-          </p:cNvPr>
-          <p:cNvCxnSpPr>
-            <a:cxnSpLocks/>
-            <a:stCxn id="42" idx="2"/>
-          </p:cNvCxnSpPr>
-          <p:nvPr/>
-        </p:nvCxnSpPr>
-        <p:spPr>
-          <a:xfrm>
-            <a:off x="3673648" y="1147974"/>
-            <a:ext cx="222885" cy="328554"/>
-          </a:xfrm>
-          <a:prstGeom prst="line">
-            <a:avLst/>
-          </a:prstGeom>
-        </p:spPr>
-        <p:style>
-          <a:lnRef idx="1">
-            <a:schemeClr val="dk1"/>
-          </a:lnRef>
-          <a:fillRef idx="0">
-            <a:schemeClr val="dk1"/>
-          </a:fillRef>
-          <a:effectRef idx="0">
-            <a:schemeClr val="dk1"/>
-          </a:effectRef>
-          <a:fontRef idx="minor">
-            <a:schemeClr val="tx1"/>
-          </a:fontRef>
-        </p:style>
-      </p:cxnSp>
-      <p:cxnSp>
-        <p:nvCxnSpPr>
-          <p:cNvPr id="18" name="직선 연결선 17">
-            <a:extLst>
-              <a:ext uri="{FF2B5EF4-FFF2-40B4-BE49-F238E27FC236}">
-                <a16:creationId xmlns:a16="http://schemas.microsoft.com/office/drawing/2014/main" id="{D8E8798D-1BE2-4880-8885-29AD7CF357FF}"/>
-              </a:ext>
-            </a:extLst>
-          </p:cNvPr>
-          <p:cNvCxnSpPr>
-            <a:cxnSpLocks/>
-            <a:stCxn id="57" idx="2"/>
-          </p:cNvCxnSpPr>
-          <p:nvPr/>
-        </p:nvCxnSpPr>
-        <p:spPr>
-          <a:xfrm flipH="1">
-            <a:off x="2289605" y="1207755"/>
-            <a:ext cx="202686" cy="371630"/>
-          </a:xfrm>
-          <a:prstGeom prst="line">
-            <a:avLst/>
-          </a:prstGeom>
-        </p:spPr>
-        <p:style>
-          <a:lnRef idx="1">
-            <a:schemeClr val="dk1"/>
-          </a:lnRef>
-          <a:fillRef idx="0">
-            <a:schemeClr val="dk1"/>
-          </a:fillRef>
-          <a:effectRef idx="0">
-            <a:schemeClr val="dk1"/>
-          </a:effectRef>
-          <a:fontRef idx="minor">
-            <a:schemeClr val="tx1"/>
-          </a:fontRef>
-        </p:style>
-      </p:cxnSp>
       <p:sp>
         <p:nvSpPr>
           <p:cNvPr id="50" name="타원 49">
@@ -5697,8 +5437,8 @@
         </p:nvCxnSpPr>
         <p:spPr>
           <a:xfrm flipV="1">
-            <a:off x="1221378" y="719592"/>
-            <a:ext cx="1295981" cy="415358"/>
+            <a:off x="1142183" y="719592"/>
+            <a:ext cx="1375176" cy="681444"/>
           </a:xfrm>
           <a:prstGeom prst="line">
             <a:avLst/>
@@ -5730,14 +5470,13 @@
           </p:cNvPr>
           <p:cNvCxnSpPr>
             <a:cxnSpLocks/>
-            <a:endCxn id="22" idx="1"/>
           </p:cNvCxnSpPr>
           <p:nvPr/>
         </p:nvCxnSpPr>
         <p:spPr>
           <a:xfrm>
-            <a:off x="1212765" y="1946238"/>
-            <a:ext cx="1586258" cy="1247054"/>
+            <a:off x="1142183" y="1837876"/>
+            <a:ext cx="1814863" cy="2143635"/>
           </a:xfrm>
           <a:prstGeom prst="line">
             <a:avLst/>
@@ -5768,14 +5507,1083 @@
             </a:extLst>
           </p:cNvPr>
           <p:cNvCxnSpPr>
-            <a:endCxn id="22" idx="3"/>
+            <a:cxnSpLocks/>
+            <a:endCxn id="22" idx="2"/>
           </p:cNvCxnSpPr>
           <p:nvPr/>
         </p:nvCxnSpPr>
         <p:spPr>
           <a:xfrm flipV="1">
-            <a:off x="1221378" y="3607412"/>
-            <a:ext cx="1577645" cy="1339846"/>
+            <a:off x="1236928" y="4290228"/>
+            <a:ext cx="1373969" cy="28966"/>
+          </a:xfrm>
+          <a:prstGeom prst="line">
+            <a:avLst/>
+          </a:prstGeom>
+        </p:spPr>
+        <p:style>
+          <a:lnRef idx="1">
+            <a:schemeClr val="dk1"/>
+          </a:lnRef>
+          <a:fillRef idx="0">
+            <a:schemeClr val="dk1"/>
+          </a:fillRef>
+          <a:effectRef idx="0">
+            <a:schemeClr val="dk1"/>
+          </a:effectRef>
+          <a:fontRef idx="minor">
+            <a:schemeClr val="tx1"/>
+          </a:fontRef>
+        </p:style>
+      </p:cxnSp>
+      <p:sp>
+        <p:nvSpPr>
+          <p:cNvPr id="32" name="순서도: 추출 31">
+            <a:extLst>
+              <a:ext uri="{FF2B5EF4-FFF2-40B4-BE49-F238E27FC236}">
+                <a16:creationId xmlns:a16="http://schemas.microsoft.com/office/drawing/2014/main" id="{575B8EE1-5BFD-491E-8EE4-791FFDD0BC39}"/>
+              </a:ext>
+            </a:extLst>
+          </p:cNvPr>
+          <p:cNvSpPr/>
+          <p:nvPr/>
+        </p:nvSpPr>
+        <p:spPr>
+          <a:xfrm rot="1651248">
+            <a:off x="2642973" y="4804625"/>
+            <a:ext cx="239486" cy="197481"/>
+          </a:xfrm>
+          <a:prstGeom prst="flowChartExtract">
+            <a:avLst/>
+          </a:prstGeom>
+          <a:ln>
+            <a:solidFill>
+              <a:schemeClr val="tx1"/>
+            </a:solidFill>
+          </a:ln>
+        </p:spPr>
+        <p:style>
+          <a:lnRef idx="2">
+            <a:schemeClr val="accent6"/>
+          </a:lnRef>
+          <a:fillRef idx="1">
+            <a:schemeClr val="lt1"/>
+          </a:fillRef>
+          <a:effectRef idx="0">
+            <a:schemeClr val="accent6"/>
+          </a:effectRef>
+          <a:fontRef idx="minor">
+            <a:schemeClr val="dk1"/>
+          </a:fontRef>
+        </p:style>
+        <p:txBody>
+          <a:bodyPr rtlCol="0" anchor="ctr"/>
+          <a:lstStyle/>
+          <a:p>
+            <a:pPr algn="ctr"/>
+            <a:endParaRPr lang="ko-KR" altLang="en-US" dirty="0"/>
+          </a:p>
+        </p:txBody>
+      </p:sp>
+      <p:cxnSp>
+        <p:nvCxnSpPr>
+          <p:cNvPr id="33" name="직선 연결선 32">
+            <a:extLst>
+              <a:ext uri="{FF2B5EF4-FFF2-40B4-BE49-F238E27FC236}">
+                <a16:creationId xmlns:a16="http://schemas.microsoft.com/office/drawing/2014/main" id="{6B189C8A-5C04-4054-8FF0-AFE93E2230E8}"/>
+              </a:ext>
+            </a:extLst>
+          </p:cNvPr>
+          <p:cNvCxnSpPr>
+            <a:cxnSpLocks/>
+            <a:stCxn id="32" idx="2"/>
+          </p:cNvCxnSpPr>
+          <p:nvPr/>
+        </p:nvCxnSpPr>
+        <p:spPr>
+          <a:xfrm flipH="1">
+            <a:off x="2514405" y="4990933"/>
+            <a:ext cx="202686" cy="371630"/>
+          </a:xfrm>
+          <a:prstGeom prst="line">
+            <a:avLst/>
+          </a:prstGeom>
+        </p:spPr>
+        <p:style>
+          <a:lnRef idx="1">
+            <a:schemeClr val="dk1"/>
+          </a:lnRef>
+          <a:fillRef idx="0">
+            <a:schemeClr val="dk1"/>
+          </a:fillRef>
+          <a:effectRef idx="0">
+            <a:schemeClr val="dk1"/>
+          </a:effectRef>
+          <a:fontRef idx="minor">
+            <a:schemeClr val="tx1"/>
+          </a:fontRef>
+        </p:style>
+      </p:cxnSp>
+      <p:sp>
+        <p:nvSpPr>
+          <p:cNvPr id="34" name="타원 33">
+            <a:extLst>
+              <a:ext uri="{FF2B5EF4-FFF2-40B4-BE49-F238E27FC236}">
+                <a16:creationId xmlns:a16="http://schemas.microsoft.com/office/drawing/2014/main" id="{7237ABB3-641F-4C9E-B092-402C40F5CE46}"/>
+              </a:ext>
+            </a:extLst>
+          </p:cNvPr>
+          <p:cNvSpPr/>
+          <p:nvPr/>
+        </p:nvSpPr>
+        <p:spPr>
+          <a:xfrm>
+            <a:off x="1707843" y="5518497"/>
+            <a:ext cx="1265352" cy="484703"/>
+          </a:xfrm>
+          <a:prstGeom prst="ellipse">
+            <a:avLst/>
+          </a:prstGeom>
+          <a:ln>
+            <a:solidFill>
+              <a:schemeClr val="tx1"/>
+            </a:solidFill>
+          </a:ln>
+        </p:spPr>
+        <p:style>
+          <a:lnRef idx="2">
+            <a:schemeClr val="accent6"/>
+          </a:lnRef>
+          <a:fillRef idx="1">
+            <a:schemeClr val="lt1"/>
+          </a:fillRef>
+          <a:effectRef idx="0">
+            <a:schemeClr val="accent6"/>
+          </a:effectRef>
+          <a:fontRef idx="minor">
+            <a:schemeClr val="dk1"/>
+          </a:fontRef>
+        </p:style>
+        <p:txBody>
+          <a:bodyPr rtlCol="0" anchor="ctr"/>
+          <a:lstStyle/>
+          <a:p>
+            <a:pPr algn="ctr"/>
+            <a:r>
+              <a:rPr lang="ko-KR" altLang="en-US" sz="1200" dirty="0"/>
+              <a:t>회원 신규</a:t>
+            </a:r>
+            <a:endParaRPr lang="en-US" altLang="ko-KR" sz="1200" dirty="0"/>
+          </a:p>
+          <a:p>
+            <a:pPr algn="ctr"/>
+            <a:r>
+              <a:rPr lang="ko-KR" altLang="en-US" sz="1200" dirty="0"/>
+              <a:t>등록</a:t>
+            </a:r>
+            <a:endParaRPr lang="en-US" altLang="ko-KR" sz="1200" dirty="0"/>
+          </a:p>
+        </p:txBody>
+      </p:sp>
+      <p:sp>
+        <p:nvSpPr>
+          <p:cNvPr id="35" name="타원 34">
+            <a:extLst>
+              <a:ext uri="{FF2B5EF4-FFF2-40B4-BE49-F238E27FC236}">
+                <a16:creationId xmlns:a16="http://schemas.microsoft.com/office/drawing/2014/main" id="{861527BD-1139-426C-BF1D-B0FE1FC635BF}"/>
+              </a:ext>
+            </a:extLst>
+          </p:cNvPr>
+          <p:cNvSpPr/>
+          <p:nvPr/>
+        </p:nvSpPr>
+        <p:spPr>
+          <a:xfrm>
+            <a:off x="2717091" y="6067801"/>
+            <a:ext cx="1225798" cy="484703"/>
+          </a:xfrm>
+          <a:prstGeom prst="ellipse">
+            <a:avLst/>
+          </a:prstGeom>
+          <a:ln>
+            <a:solidFill>
+              <a:schemeClr val="tx1"/>
+            </a:solidFill>
+          </a:ln>
+        </p:spPr>
+        <p:style>
+          <a:lnRef idx="2">
+            <a:schemeClr val="accent6"/>
+          </a:lnRef>
+          <a:fillRef idx="1">
+            <a:schemeClr val="lt1"/>
+          </a:fillRef>
+          <a:effectRef idx="0">
+            <a:schemeClr val="accent6"/>
+          </a:effectRef>
+          <a:fontRef idx="minor">
+            <a:schemeClr val="dk1"/>
+          </a:fontRef>
+        </p:style>
+        <p:txBody>
+          <a:bodyPr rtlCol="0" anchor="ctr"/>
+          <a:lstStyle/>
+          <a:p>
+            <a:pPr algn="ctr"/>
+            <a:r>
+              <a:rPr lang="ko-KR" altLang="en-US" sz="1200" dirty="0"/>
+              <a:t>회원 정보</a:t>
+            </a:r>
+            <a:endParaRPr lang="en-US" altLang="ko-KR" sz="1200" dirty="0"/>
+          </a:p>
+          <a:p>
+            <a:pPr algn="ctr"/>
+            <a:r>
+              <a:rPr lang="ko-KR" altLang="en-US" sz="1200" dirty="0"/>
+              <a:t>수정</a:t>
+            </a:r>
+            <a:endParaRPr lang="en-US" altLang="ko-KR" sz="1200" dirty="0"/>
+          </a:p>
+        </p:txBody>
+      </p:sp>
+      <p:sp>
+        <p:nvSpPr>
+          <p:cNvPr id="36" name="순서도: 추출 35">
+            <a:extLst>
+              <a:ext uri="{FF2B5EF4-FFF2-40B4-BE49-F238E27FC236}">
+                <a16:creationId xmlns:a16="http://schemas.microsoft.com/office/drawing/2014/main" id="{5686E4E9-7C49-478B-94AC-5EDD6F1F7B2F}"/>
+              </a:ext>
+            </a:extLst>
+          </p:cNvPr>
+          <p:cNvSpPr/>
+          <p:nvPr/>
+        </p:nvSpPr>
+        <p:spPr>
+          <a:xfrm rot="21341145">
+            <a:off x="3000879" y="4763599"/>
+            <a:ext cx="239486" cy="197481"/>
+          </a:xfrm>
+          <a:prstGeom prst="flowChartExtract">
+            <a:avLst/>
+          </a:prstGeom>
+          <a:ln>
+            <a:solidFill>
+              <a:schemeClr val="tx1"/>
+            </a:solidFill>
+          </a:ln>
+        </p:spPr>
+        <p:style>
+          <a:lnRef idx="2">
+            <a:schemeClr val="accent6"/>
+          </a:lnRef>
+          <a:fillRef idx="1">
+            <a:schemeClr val="lt1"/>
+          </a:fillRef>
+          <a:effectRef idx="0">
+            <a:schemeClr val="accent6"/>
+          </a:effectRef>
+          <a:fontRef idx="minor">
+            <a:schemeClr val="dk1"/>
+          </a:fontRef>
+        </p:style>
+        <p:txBody>
+          <a:bodyPr rtlCol="0" anchor="ctr"/>
+          <a:lstStyle/>
+          <a:p>
+            <a:pPr algn="ctr"/>
+            <a:endParaRPr lang="ko-KR" altLang="en-US" dirty="0"/>
+          </a:p>
+        </p:txBody>
+      </p:sp>
+      <p:cxnSp>
+        <p:nvCxnSpPr>
+          <p:cNvPr id="37" name="직선 연결선 36">
+            <a:extLst>
+              <a:ext uri="{FF2B5EF4-FFF2-40B4-BE49-F238E27FC236}">
+                <a16:creationId xmlns:a16="http://schemas.microsoft.com/office/drawing/2014/main" id="{8225E3D1-F882-4A59-80CF-BD7B7F692390}"/>
+              </a:ext>
+            </a:extLst>
+          </p:cNvPr>
+          <p:cNvCxnSpPr>
+            <a:cxnSpLocks/>
+          </p:cNvCxnSpPr>
+          <p:nvPr/>
+        </p:nvCxnSpPr>
+        <p:spPr>
+          <a:xfrm>
+            <a:off x="3129403" y="4966708"/>
+            <a:ext cx="109260" cy="952085"/>
+          </a:xfrm>
+          <a:prstGeom prst="line">
+            <a:avLst/>
+          </a:prstGeom>
+        </p:spPr>
+        <p:style>
+          <a:lnRef idx="1">
+            <a:schemeClr val="dk1"/>
+          </a:lnRef>
+          <a:fillRef idx="0">
+            <a:schemeClr val="dk1"/>
+          </a:fillRef>
+          <a:effectRef idx="0">
+            <a:schemeClr val="dk1"/>
+          </a:effectRef>
+          <a:fontRef idx="minor">
+            <a:schemeClr val="tx1"/>
+          </a:fontRef>
+        </p:style>
+      </p:cxnSp>
+      <p:sp>
+        <p:nvSpPr>
+          <p:cNvPr id="38" name="순서도: 추출 37">
+            <a:extLst>
+              <a:ext uri="{FF2B5EF4-FFF2-40B4-BE49-F238E27FC236}">
+                <a16:creationId xmlns:a16="http://schemas.microsoft.com/office/drawing/2014/main" id="{0E856CBF-6FDE-4644-89C1-19764F47F7BF}"/>
+              </a:ext>
+            </a:extLst>
+          </p:cNvPr>
+          <p:cNvSpPr/>
+          <p:nvPr/>
+        </p:nvSpPr>
+        <p:spPr>
+          <a:xfrm rot="20306773">
+            <a:off x="3387967" y="4718035"/>
+            <a:ext cx="239486" cy="197481"/>
+          </a:xfrm>
+          <a:prstGeom prst="flowChartExtract">
+            <a:avLst/>
+          </a:prstGeom>
+          <a:ln>
+            <a:solidFill>
+              <a:schemeClr val="tx1"/>
+            </a:solidFill>
+          </a:ln>
+        </p:spPr>
+        <p:style>
+          <a:lnRef idx="2">
+            <a:schemeClr val="accent6"/>
+          </a:lnRef>
+          <a:fillRef idx="1">
+            <a:schemeClr val="lt1"/>
+          </a:fillRef>
+          <a:effectRef idx="0">
+            <a:schemeClr val="accent6"/>
+          </a:effectRef>
+          <a:fontRef idx="minor">
+            <a:schemeClr val="dk1"/>
+          </a:fontRef>
+        </p:style>
+        <p:txBody>
+          <a:bodyPr rtlCol="0" anchor="ctr"/>
+          <a:lstStyle/>
+          <a:p>
+            <a:pPr algn="ctr"/>
+            <a:endParaRPr lang="ko-KR" altLang="en-US" dirty="0"/>
+          </a:p>
+        </p:txBody>
+      </p:sp>
+      <p:cxnSp>
+        <p:nvCxnSpPr>
+          <p:cNvPr id="39" name="직선 연결선 38">
+            <a:extLst>
+              <a:ext uri="{FF2B5EF4-FFF2-40B4-BE49-F238E27FC236}">
+                <a16:creationId xmlns:a16="http://schemas.microsoft.com/office/drawing/2014/main" id="{8F80DB17-C1FE-4089-AC5C-935F0AFE2093}"/>
+              </a:ext>
+            </a:extLst>
+          </p:cNvPr>
+          <p:cNvCxnSpPr>
+            <a:cxnSpLocks/>
+          </p:cNvCxnSpPr>
+          <p:nvPr/>
+        </p:nvCxnSpPr>
+        <p:spPr>
+          <a:xfrm>
+            <a:off x="3545854" y="4903365"/>
+            <a:ext cx="1047918" cy="1123867"/>
+          </a:xfrm>
+          <a:prstGeom prst="line">
+            <a:avLst/>
+          </a:prstGeom>
+        </p:spPr>
+        <p:style>
+          <a:lnRef idx="1">
+            <a:schemeClr val="dk1"/>
+          </a:lnRef>
+          <a:fillRef idx="0">
+            <a:schemeClr val="dk1"/>
+          </a:fillRef>
+          <a:effectRef idx="0">
+            <a:schemeClr val="dk1"/>
+          </a:effectRef>
+          <a:fontRef idx="minor">
+            <a:schemeClr val="tx1"/>
+          </a:fontRef>
+        </p:style>
+      </p:cxnSp>
+      <p:sp>
+        <p:nvSpPr>
+          <p:cNvPr id="41" name="타원 40">
+            <a:extLst>
+              <a:ext uri="{FF2B5EF4-FFF2-40B4-BE49-F238E27FC236}">
+                <a16:creationId xmlns:a16="http://schemas.microsoft.com/office/drawing/2014/main" id="{669A8AD3-12B2-48BA-AE98-DD70C4965B0F}"/>
+              </a:ext>
+            </a:extLst>
+          </p:cNvPr>
+          <p:cNvSpPr/>
+          <p:nvPr/>
+        </p:nvSpPr>
+        <p:spPr>
+          <a:xfrm>
+            <a:off x="4031819" y="4923263"/>
+            <a:ext cx="989492" cy="484703"/>
+          </a:xfrm>
+          <a:prstGeom prst="ellipse">
+            <a:avLst/>
+          </a:prstGeom>
+          <a:ln>
+            <a:solidFill>
+              <a:schemeClr val="tx1"/>
+            </a:solidFill>
+          </a:ln>
+        </p:spPr>
+        <p:style>
+          <a:lnRef idx="2">
+            <a:schemeClr val="accent6"/>
+          </a:lnRef>
+          <a:fillRef idx="1">
+            <a:schemeClr val="lt1"/>
+          </a:fillRef>
+          <a:effectRef idx="0">
+            <a:schemeClr val="accent6"/>
+          </a:effectRef>
+          <a:fontRef idx="minor">
+            <a:schemeClr val="dk1"/>
+          </a:fontRef>
+        </p:style>
+        <p:txBody>
+          <a:bodyPr rtlCol="0" anchor="ctr"/>
+          <a:lstStyle/>
+          <a:p>
+            <a:pPr algn="ctr"/>
+            <a:r>
+              <a:rPr lang="ko-KR" altLang="en-US" sz="1200" dirty="0"/>
+              <a:t>기간</a:t>
+            </a:r>
+            <a:endParaRPr lang="en-US" altLang="ko-KR" sz="1200" dirty="0"/>
+          </a:p>
+          <a:p>
+            <a:pPr algn="ctr"/>
+            <a:r>
+              <a:rPr lang="ko-KR" altLang="en-US" sz="1200" dirty="0"/>
+              <a:t>연장</a:t>
+            </a:r>
+            <a:endParaRPr lang="en-US" altLang="ko-KR" sz="1200" dirty="0"/>
+          </a:p>
+        </p:txBody>
+      </p:sp>
+      <p:sp>
+        <p:nvSpPr>
+          <p:cNvPr id="43" name="순서도: 추출 42">
+            <a:extLst>
+              <a:ext uri="{FF2B5EF4-FFF2-40B4-BE49-F238E27FC236}">
+                <a16:creationId xmlns:a16="http://schemas.microsoft.com/office/drawing/2014/main" id="{950CE74B-1830-4158-850C-94BFAC6F89A1}"/>
+              </a:ext>
+            </a:extLst>
+          </p:cNvPr>
+          <p:cNvSpPr/>
+          <p:nvPr/>
+        </p:nvSpPr>
+        <p:spPr>
+          <a:xfrm rot="19750551">
+            <a:off x="3470233" y="987819"/>
+            <a:ext cx="239486" cy="197481"/>
+          </a:xfrm>
+          <a:prstGeom prst="flowChartExtract">
+            <a:avLst/>
+          </a:prstGeom>
+          <a:ln>
+            <a:solidFill>
+              <a:schemeClr val="tx1"/>
+            </a:solidFill>
+          </a:ln>
+        </p:spPr>
+        <p:style>
+          <a:lnRef idx="2">
+            <a:schemeClr val="accent6"/>
+          </a:lnRef>
+          <a:fillRef idx="1">
+            <a:schemeClr val="lt1"/>
+          </a:fillRef>
+          <a:effectRef idx="0">
+            <a:schemeClr val="accent6"/>
+          </a:effectRef>
+          <a:fontRef idx="minor">
+            <a:schemeClr val="dk1"/>
+          </a:fontRef>
+        </p:style>
+        <p:txBody>
+          <a:bodyPr rtlCol="0" anchor="ctr"/>
+          <a:lstStyle/>
+          <a:p>
+            <a:pPr algn="ctr"/>
+            <a:endParaRPr lang="ko-KR" altLang="en-US" dirty="0"/>
+          </a:p>
+        </p:txBody>
+      </p:sp>
+      <p:cxnSp>
+        <p:nvCxnSpPr>
+          <p:cNvPr id="44" name="직선 연결선 43">
+            <a:extLst>
+              <a:ext uri="{FF2B5EF4-FFF2-40B4-BE49-F238E27FC236}">
+                <a16:creationId xmlns:a16="http://schemas.microsoft.com/office/drawing/2014/main" id="{E572373F-EEF3-4492-8C28-83C1493CCEED}"/>
+              </a:ext>
+            </a:extLst>
+          </p:cNvPr>
+          <p:cNvCxnSpPr>
+            <a:cxnSpLocks/>
+          </p:cNvCxnSpPr>
+          <p:nvPr/>
+        </p:nvCxnSpPr>
+        <p:spPr>
+          <a:xfrm>
+            <a:off x="3627954" y="1171341"/>
+            <a:ext cx="169032" cy="299401"/>
+          </a:xfrm>
+          <a:prstGeom prst="line">
+            <a:avLst/>
+          </a:prstGeom>
+        </p:spPr>
+        <p:style>
+          <a:lnRef idx="1">
+            <a:schemeClr val="dk1"/>
+          </a:lnRef>
+          <a:fillRef idx="0">
+            <a:schemeClr val="dk1"/>
+          </a:fillRef>
+          <a:effectRef idx="0">
+            <a:schemeClr val="dk1"/>
+          </a:effectRef>
+          <a:fontRef idx="minor">
+            <a:schemeClr val="tx1"/>
+          </a:fontRef>
+        </p:style>
+      </p:cxnSp>
+      <p:sp>
+        <p:nvSpPr>
+          <p:cNvPr id="49" name="타원 48">
+            <a:extLst>
+              <a:ext uri="{FF2B5EF4-FFF2-40B4-BE49-F238E27FC236}">
+                <a16:creationId xmlns:a16="http://schemas.microsoft.com/office/drawing/2014/main" id="{DCCD7E2A-A2B5-4FA6-8344-38462C33C941}"/>
+              </a:ext>
+            </a:extLst>
+          </p:cNvPr>
+          <p:cNvSpPr/>
+          <p:nvPr/>
+        </p:nvSpPr>
+        <p:spPr>
+          <a:xfrm>
+            <a:off x="4306077" y="6003200"/>
+            <a:ext cx="989493" cy="484703"/>
+          </a:xfrm>
+          <a:prstGeom prst="ellipse">
+            <a:avLst/>
+          </a:prstGeom>
+          <a:ln>
+            <a:solidFill>
+              <a:schemeClr val="tx1"/>
+            </a:solidFill>
+          </a:ln>
+        </p:spPr>
+        <p:style>
+          <a:lnRef idx="2">
+            <a:schemeClr val="accent6"/>
+          </a:lnRef>
+          <a:fillRef idx="1">
+            <a:schemeClr val="lt1"/>
+          </a:fillRef>
+          <a:effectRef idx="0">
+            <a:schemeClr val="accent6"/>
+          </a:effectRef>
+          <a:fontRef idx="minor">
+            <a:schemeClr val="dk1"/>
+          </a:fontRef>
+        </p:style>
+        <p:txBody>
+          <a:bodyPr rtlCol="0" anchor="ctr"/>
+          <a:lstStyle/>
+          <a:p>
+            <a:pPr algn="ctr"/>
+            <a:r>
+              <a:rPr lang="ko-KR" altLang="en-US" sz="1200" dirty="0"/>
+              <a:t>회원 </a:t>
+            </a:r>
+            <a:endParaRPr lang="en-US" altLang="ko-KR" sz="1200" dirty="0"/>
+          </a:p>
+          <a:p>
+            <a:pPr algn="ctr"/>
+            <a:r>
+              <a:rPr lang="ko-KR" altLang="en-US" sz="1200" dirty="0"/>
+              <a:t>조회</a:t>
+            </a:r>
+            <a:endParaRPr lang="en-US" altLang="ko-KR" sz="1200" dirty="0"/>
+          </a:p>
+        </p:txBody>
+      </p:sp>
+      <p:cxnSp>
+        <p:nvCxnSpPr>
+          <p:cNvPr id="45" name="직선 연결선 44">
+            <a:extLst>
+              <a:ext uri="{FF2B5EF4-FFF2-40B4-BE49-F238E27FC236}">
+                <a16:creationId xmlns:a16="http://schemas.microsoft.com/office/drawing/2014/main" id="{44A2F30C-F321-4FC2-812F-BD4D51DCFE3F}"/>
+              </a:ext>
+            </a:extLst>
+          </p:cNvPr>
+          <p:cNvCxnSpPr>
+            <a:cxnSpLocks/>
+            <a:endCxn id="30" idx="2"/>
+          </p:cNvCxnSpPr>
+          <p:nvPr/>
+        </p:nvCxnSpPr>
+        <p:spPr>
+          <a:xfrm>
+            <a:off x="1373778" y="2707094"/>
+            <a:ext cx="4935652" cy="675878"/>
+          </a:xfrm>
+          <a:prstGeom prst="line">
+            <a:avLst/>
+          </a:prstGeom>
+        </p:spPr>
+        <p:style>
+          <a:lnRef idx="1">
+            <a:schemeClr val="dk1"/>
+          </a:lnRef>
+          <a:fillRef idx="0">
+            <a:schemeClr val="dk1"/>
+          </a:fillRef>
+          <a:effectRef idx="0">
+            <a:schemeClr val="dk1"/>
+          </a:effectRef>
+          <a:fontRef idx="minor">
+            <a:schemeClr val="tx1"/>
+          </a:fontRef>
+        </p:style>
+      </p:cxnSp>
+      <p:cxnSp>
+        <p:nvCxnSpPr>
+          <p:cNvPr id="58" name="직선 연결선 57">
+            <a:extLst>
+              <a:ext uri="{FF2B5EF4-FFF2-40B4-BE49-F238E27FC236}">
+                <a16:creationId xmlns:a16="http://schemas.microsoft.com/office/drawing/2014/main" id="{F5232F93-DC3A-4F34-92F8-87591D716FD4}"/>
+              </a:ext>
+            </a:extLst>
+          </p:cNvPr>
+          <p:cNvCxnSpPr>
+            <a:cxnSpLocks/>
+          </p:cNvCxnSpPr>
+          <p:nvPr/>
+        </p:nvCxnSpPr>
+        <p:spPr>
+          <a:xfrm flipV="1">
+            <a:off x="1221378" y="3435105"/>
+            <a:ext cx="5088052" cy="499504"/>
+          </a:xfrm>
+          <a:prstGeom prst="line">
+            <a:avLst/>
+          </a:prstGeom>
+        </p:spPr>
+        <p:style>
+          <a:lnRef idx="1">
+            <a:schemeClr val="dk1"/>
+          </a:lnRef>
+          <a:fillRef idx="0">
+            <a:schemeClr val="dk1"/>
+          </a:fillRef>
+          <a:effectRef idx="0">
+            <a:schemeClr val="dk1"/>
+          </a:effectRef>
+          <a:fontRef idx="minor">
+            <a:schemeClr val="tx1"/>
+          </a:fontRef>
+        </p:style>
+      </p:cxnSp>
+      <p:sp>
+        <p:nvSpPr>
+          <p:cNvPr id="69" name="타원 68">
+            <a:extLst>
+              <a:ext uri="{FF2B5EF4-FFF2-40B4-BE49-F238E27FC236}">
+                <a16:creationId xmlns:a16="http://schemas.microsoft.com/office/drawing/2014/main" id="{20A6B618-AD68-4B71-9599-4BB08F8F72C4}"/>
+              </a:ext>
+            </a:extLst>
+          </p:cNvPr>
+          <p:cNvSpPr/>
+          <p:nvPr/>
+        </p:nvSpPr>
+        <p:spPr>
+          <a:xfrm>
+            <a:off x="6309430" y="409392"/>
+            <a:ext cx="1012190" cy="585654"/>
+          </a:xfrm>
+          <a:prstGeom prst="ellipse">
+            <a:avLst/>
+          </a:prstGeom>
+          <a:ln>
+            <a:solidFill>
+              <a:schemeClr val="tx1"/>
+            </a:solidFill>
+          </a:ln>
+        </p:spPr>
+        <p:style>
+          <a:lnRef idx="2">
+            <a:schemeClr val="accent6"/>
+          </a:lnRef>
+          <a:fillRef idx="1">
+            <a:schemeClr val="lt1"/>
+          </a:fillRef>
+          <a:effectRef idx="0">
+            <a:schemeClr val="accent6"/>
+          </a:effectRef>
+          <a:fontRef idx="minor">
+            <a:schemeClr val="dk1"/>
+          </a:fontRef>
+        </p:style>
+        <p:txBody>
+          <a:bodyPr rtlCol="0" anchor="ctr"/>
+          <a:lstStyle/>
+          <a:p>
+            <a:pPr algn="ctr"/>
+            <a:r>
+              <a:rPr lang="ko-KR" altLang="en-US" sz="1200" dirty="0"/>
+              <a:t>로그인</a:t>
+            </a:r>
+            <a:endParaRPr lang="en-US" altLang="ko-KR" sz="1200" dirty="0"/>
+          </a:p>
+        </p:txBody>
+      </p:sp>
+      <p:sp>
+        <p:nvSpPr>
+          <p:cNvPr id="68" name="TextBox 67">
+            <a:extLst>
+              <a:ext uri="{FF2B5EF4-FFF2-40B4-BE49-F238E27FC236}">
+                <a16:creationId xmlns:a16="http://schemas.microsoft.com/office/drawing/2014/main" id="{A28E288E-A581-414E-81F5-453FF8F13C2A}"/>
+              </a:ext>
+            </a:extLst>
+          </p:cNvPr>
+          <p:cNvSpPr txBox="1"/>
+          <p:nvPr/>
+        </p:nvSpPr>
+        <p:spPr>
+          <a:xfrm>
+            <a:off x="4469570" y="409392"/>
+            <a:ext cx="1155933" cy="276999"/>
+          </a:xfrm>
+          <a:prstGeom prst="rect">
+            <a:avLst/>
+          </a:prstGeom>
+          <a:noFill/>
+        </p:spPr>
+        <p:txBody>
+          <a:bodyPr wrap="square" rtlCol="0">
+            <a:spAutoFit/>
+          </a:bodyPr>
+          <a:lstStyle/>
+          <a:p>
+            <a:r>
+              <a:rPr lang="en-US" altLang="ko-KR" sz="1200" dirty="0"/>
+              <a:t>&lt;&lt;include&gt;&gt;</a:t>
+            </a:r>
+            <a:endParaRPr lang="ko-KR" altLang="en-US" sz="1200" dirty="0"/>
+          </a:p>
+        </p:txBody>
+      </p:sp>
+      <p:cxnSp>
+        <p:nvCxnSpPr>
+          <p:cNvPr id="76" name="직선 화살표 연결선 75">
+            <a:extLst>
+              <a:ext uri="{FF2B5EF4-FFF2-40B4-BE49-F238E27FC236}">
+                <a16:creationId xmlns:a16="http://schemas.microsoft.com/office/drawing/2014/main" id="{EEDF0E18-89D2-4A73-B275-F32103B36748}"/>
+              </a:ext>
+            </a:extLst>
+          </p:cNvPr>
+          <p:cNvCxnSpPr>
+            <a:cxnSpLocks/>
+          </p:cNvCxnSpPr>
+          <p:nvPr/>
+        </p:nvCxnSpPr>
+        <p:spPr>
+          <a:xfrm flipH="1">
+            <a:off x="3833154" y="719591"/>
+            <a:ext cx="2376314" cy="0"/>
+          </a:xfrm>
+          <a:prstGeom prst="straightConnector1">
+            <a:avLst/>
+          </a:prstGeom>
+          <a:ln w="9525" cap="flat" cmpd="sng" algn="ctr">
+            <a:solidFill>
+              <a:schemeClr val="dk1"/>
+            </a:solidFill>
+            <a:prstDash val="lgDash"/>
+            <a:round/>
+            <a:headEnd type="arrow" w="med" len="lg"/>
+            <a:tailEnd type="none" w="med" len="med"/>
+          </a:ln>
+        </p:spPr>
+        <p:style>
+          <a:lnRef idx="0">
+            <a:scrgbClr r="0" g="0" b="0"/>
+          </a:lnRef>
+          <a:fillRef idx="0">
+            <a:scrgbClr r="0" g="0" b="0"/>
+          </a:fillRef>
+          <a:effectRef idx="0">
+            <a:scrgbClr r="0" g="0" b="0"/>
+          </a:effectRef>
+          <a:fontRef idx="minor">
+            <a:schemeClr val="tx1"/>
+          </a:fontRef>
+        </p:style>
+      </p:cxnSp>
+      <p:sp>
+        <p:nvSpPr>
+          <p:cNvPr id="86" name="순서도: 추출 85">
+            <a:extLst>
+              <a:ext uri="{FF2B5EF4-FFF2-40B4-BE49-F238E27FC236}">
+                <a16:creationId xmlns:a16="http://schemas.microsoft.com/office/drawing/2014/main" id="{EFE2EA7C-641C-4A9A-9791-8A9E2D5BB5BE}"/>
+              </a:ext>
+            </a:extLst>
+          </p:cNvPr>
+          <p:cNvSpPr/>
+          <p:nvPr/>
+        </p:nvSpPr>
+        <p:spPr>
+          <a:xfrm rot="1651248">
+            <a:off x="2519251" y="999531"/>
+            <a:ext cx="239486" cy="197481"/>
+          </a:xfrm>
+          <a:prstGeom prst="flowChartExtract">
+            <a:avLst/>
+          </a:prstGeom>
+          <a:ln>
+            <a:solidFill>
+              <a:schemeClr val="tx1"/>
+            </a:solidFill>
+          </a:ln>
+        </p:spPr>
+        <p:style>
+          <a:lnRef idx="2">
+            <a:schemeClr val="accent6"/>
+          </a:lnRef>
+          <a:fillRef idx="1">
+            <a:schemeClr val="lt1"/>
+          </a:fillRef>
+          <a:effectRef idx="0">
+            <a:schemeClr val="accent6"/>
+          </a:effectRef>
+          <a:fontRef idx="minor">
+            <a:schemeClr val="dk1"/>
+          </a:fontRef>
+        </p:style>
+        <p:txBody>
+          <a:bodyPr rtlCol="0" anchor="ctr"/>
+          <a:lstStyle/>
+          <a:p>
+            <a:pPr algn="ctr"/>
+            <a:endParaRPr lang="ko-KR" altLang="en-US" dirty="0"/>
+          </a:p>
+        </p:txBody>
+      </p:sp>
+      <p:cxnSp>
+        <p:nvCxnSpPr>
+          <p:cNvPr id="87" name="직선 연결선 86">
+            <a:extLst>
+              <a:ext uri="{FF2B5EF4-FFF2-40B4-BE49-F238E27FC236}">
+                <a16:creationId xmlns:a16="http://schemas.microsoft.com/office/drawing/2014/main" id="{D57E94F0-063F-4F02-95A6-DA4A1AB06BCC}"/>
+              </a:ext>
+            </a:extLst>
+          </p:cNvPr>
+          <p:cNvCxnSpPr>
+            <a:cxnSpLocks/>
+            <a:stCxn id="86" idx="2"/>
+          </p:cNvCxnSpPr>
+          <p:nvPr/>
+        </p:nvCxnSpPr>
+        <p:spPr>
+          <a:xfrm flipH="1">
+            <a:off x="2390683" y="1185839"/>
+            <a:ext cx="202686" cy="371630"/>
+          </a:xfrm>
+          <a:prstGeom prst="line">
+            <a:avLst/>
+          </a:prstGeom>
+        </p:spPr>
+        <p:style>
+          <a:lnRef idx="1">
+            <a:schemeClr val="dk1"/>
+          </a:lnRef>
+          <a:fillRef idx="0">
+            <a:schemeClr val="dk1"/>
+          </a:fillRef>
+          <a:effectRef idx="0">
+            <a:schemeClr val="dk1"/>
+          </a:effectRef>
+          <a:fontRef idx="minor">
+            <a:schemeClr val="tx1"/>
+          </a:fontRef>
+        </p:style>
+      </p:cxnSp>
+      <p:sp>
+        <p:nvSpPr>
+          <p:cNvPr id="88" name="순서도: 추출 87">
+            <a:extLst>
+              <a:ext uri="{FF2B5EF4-FFF2-40B4-BE49-F238E27FC236}">
+                <a16:creationId xmlns:a16="http://schemas.microsoft.com/office/drawing/2014/main" id="{B1414DD1-1499-4638-BF62-A2E3BE729FC5}"/>
+              </a:ext>
+            </a:extLst>
+          </p:cNvPr>
+          <p:cNvSpPr/>
+          <p:nvPr/>
+        </p:nvSpPr>
+        <p:spPr>
+          <a:xfrm>
+            <a:off x="2977462" y="1081123"/>
+            <a:ext cx="239486" cy="197481"/>
+          </a:xfrm>
+          <a:prstGeom prst="flowChartExtract">
+            <a:avLst/>
+          </a:prstGeom>
+          <a:ln>
+            <a:solidFill>
+              <a:schemeClr val="tx1"/>
+            </a:solidFill>
+          </a:ln>
+        </p:spPr>
+        <p:style>
+          <a:lnRef idx="2">
+            <a:schemeClr val="accent6"/>
+          </a:lnRef>
+          <a:fillRef idx="1">
+            <a:schemeClr val="lt1"/>
+          </a:fillRef>
+          <a:effectRef idx="0">
+            <a:schemeClr val="accent6"/>
+          </a:effectRef>
+          <a:fontRef idx="minor">
+            <a:schemeClr val="dk1"/>
+          </a:fontRef>
+        </p:style>
+        <p:txBody>
+          <a:bodyPr rtlCol="0" anchor="ctr"/>
+          <a:lstStyle/>
+          <a:p>
+            <a:pPr algn="ctr"/>
+            <a:endParaRPr lang="ko-KR" altLang="en-US" dirty="0"/>
+          </a:p>
+        </p:txBody>
+      </p:sp>
+      <p:cxnSp>
+        <p:nvCxnSpPr>
+          <p:cNvPr id="89" name="직선 연결선 88">
+            <a:extLst>
+              <a:ext uri="{FF2B5EF4-FFF2-40B4-BE49-F238E27FC236}">
+                <a16:creationId xmlns:a16="http://schemas.microsoft.com/office/drawing/2014/main" id="{1ED4D33C-ED03-42EE-91EA-11E0E7AC14B0}"/>
+              </a:ext>
+            </a:extLst>
+          </p:cNvPr>
+          <p:cNvCxnSpPr>
+            <a:cxnSpLocks/>
+          </p:cNvCxnSpPr>
+          <p:nvPr/>
+        </p:nvCxnSpPr>
+        <p:spPr>
+          <a:xfrm>
+            <a:off x="3101957" y="1294127"/>
+            <a:ext cx="1394" cy="711770"/>
+          </a:xfrm>
+          <a:prstGeom prst="line">
+            <a:avLst/>
+          </a:prstGeom>
+        </p:spPr>
+        <p:style>
+          <a:lnRef idx="1">
+            <a:schemeClr val="dk1"/>
+          </a:lnRef>
+          <a:fillRef idx="0">
+            <a:schemeClr val="dk1"/>
+          </a:fillRef>
+          <a:effectRef idx="0">
+            <a:schemeClr val="dk1"/>
+          </a:effectRef>
+          <a:fontRef idx="minor">
+            <a:schemeClr val="tx1"/>
+          </a:fontRef>
+        </p:style>
+      </p:cxnSp>
+      <p:sp>
+        <p:nvSpPr>
+          <p:cNvPr id="92" name="순서도: 추출 91">
+            <a:extLst>
+              <a:ext uri="{FF2B5EF4-FFF2-40B4-BE49-F238E27FC236}">
+                <a16:creationId xmlns:a16="http://schemas.microsoft.com/office/drawing/2014/main" id="{39D8549E-E5E7-447E-8F32-C1020AAF37D1}"/>
+              </a:ext>
+            </a:extLst>
+          </p:cNvPr>
+          <p:cNvSpPr/>
+          <p:nvPr/>
+        </p:nvSpPr>
+        <p:spPr>
+          <a:xfrm rot="18269865">
+            <a:off x="3731641" y="4633666"/>
+            <a:ext cx="239486" cy="197481"/>
+          </a:xfrm>
+          <a:prstGeom prst="flowChartExtract">
+            <a:avLst/>
+          </a:prstGeom>
+          <a:ln>
+            <a:solidFill>
+              <a:schemeClr val="tx1"/>
+            </a:solidFill>
+          </a:ln>
+        </p:spPr>
+        <p:style>
+          <a:lnRef idx="2">
+            <a:schemeClr val="accent6"/>
+          </a:lnRef>
+          <a:fillRef idx="1">
+            <a:schemeClr val="lt1"/>
+          </a:fillRef>
+          <a:effectRef idx="0">
+            <a:schemeClr val="accent6"/>
+          </a:effectRef>
+          <a:fontRef idx="minor">
+            <a:schemeClr val="dk1"/>
+          </a:fontRef>
+        </p:style>
+        <p:txBody>
+          <a:bodyPr rtlCol="0" anchor="ctr"/>
+          <a:lstStyle/>
+          <a:p>
+            <a:pPr algn="ctr"/>
+            <a:endParaRPr lang="ko-KR" altLang="en-US" dirty="0"/>
+          </a:p>
+        </p:txBody>
+      </p:sp>
+      <p:cxnSp>
+        <p:nvCxnSpPr>
+          <p:cNvPr id="93" name="직선 연결선 92">
+            <a:extLst>
+              <a:ext uri="{FF2B5EF4-FFF2-40B4-BE49-F238E27FC236}">
+                <a16:creationId xmlns:a16="http://schemas.microsoft.com/office/drawing/2014/main" id="{325EBE83-28E8-4484-8F54-549C97459147}"/>
+              </a:ext>
+            </a:extLst>
+          </p:cNvPr>
+          <p:cNvCxnSpPr>
+            <a:cxnSpLocks/>
+          </p:cNvCxnSpPr>
+          <p:nvPr/>
+        </p:nvCxnSpPr>
+        <p:spPr>
+          <a:xfrm>
+            <a:off x="3934618" y="4784782"/>
+            <a:ext cx="381443" cy="248372"/>
           </a:xfrm>
           <a:prstGeom prst="line">
             <a:avLst/>
@@ -23650,7 +24458,31 @@
       </a:bgFillStyleLst>
     </a:fmtScheme>
   </a:themeElements>
-  <a:objectDefaults/>
+  <a:objectDefaults>
+    <a:lnDef>
+      <a:spPr>
+        <a:ln>
+          <a:tailEnd type="triangle"/>
+        </a:ln>
+      </a:spPr>
+      <a:bodyPr/>
+      <a:lstStyle/>
+      <a:style>
+        <a:lnRef idx="1">
+          <a:schemeClr val="dk1"/>
+        </a:lnRef>
+        <a:fillRef idx="0">
+          <a:schemeClr val="dk1"/>
+        </a:fillRef>
+        <a:effectRef idx="0">
+          <a:schemeClr val="dk1"/>
+        </a:effectRef>
+        <a:fontRef idx="minor">
+          <a:schemeClr val="tx1"/>
+        </a:fontRef>
+      </a:style>
+    </a:lnDef>
+  </a:objectDefaults>
   <a:extraClrSchemeLst/>
   <a:extLst>
     <a:ext uri="{05A4C25C-085E-4340-85A3-A5531E510DB2}">
